--- a/Seccion 1 Introducción al espacio multivariante/Diapositivas/1.4 Histograma.pptx
+++ b/Seccion 1 Introducción al espacio multivariante/Diapositivas/1.4 Histograma.pptx
@@ -268,7 +268,7 @@
             <a:fld id="{B61BEF0D-F0BB-DE4B-95CE-6DB70DBA9567}" type="datetimeFigureOut">
               <a:rPr lang="en-US" smtClean="0"/>
               <a:pPr/>
-              <a:t>12/11/2019</a:t>
+              <a:t>12/20/2019</a:t>
             </a:fld>
             <a:endParaRPr lang="en-US" dirty="0"/>
           </a:p>
@@ -467,7 +467,7 @@
           <a:p>
             <a:fld id="{55C6B4A9-1611-4792-9094-5F34BCA07E0B}" type="datetimeFigureOut">
               <a:rPr lang="en-US" smtClean="0"/>
-              <a:t>12/11/2019</a:t>
+              <a:t>12/20/2019</a:t>
             </a:fld>
             <a:endParaRPr lang="en-US" dirty="0"/>
           </a:p>
@@ -676,7 +676,7 @@
             <a:fld id="{B61BEF0D-F0BB-DE4B-95CE-6DB70DBA9567}" type="datetimeFigureOut">
               <a:rPr lang="en-US" smtClean="0"/>
               <a:pPr/>
-              <a:t>12/11/2019</a:t>
+              <a:t>12/20/2019</a:t>
             </a:fld>
             <a:endParaRPr lang="en-US" dirty="0"/>
           </a:p>
@@ -1496,7 +1496,7 @@
             <a:fld id="{B61BEF0D-F0BB-DE4B-95CE-6DB70DBA9567}" type="datetimeFigureOut">
               <a:rPr lang="en-US" smtClean="0"/>
               <a:pPr/>
-              <a:t>12/11/2019</a:t>
+              <a:t>12/20/2019</a:t>
             </a:fld>
             <a:endParaRPr lang="en-US" dirty="0"/>
           </a:p>
@@ -1668,7 +1668,7 @@
             <a:fld id="{B61BEF0D-F0BB-DE4B-95CE-6DB70DBA9567}" type="datetimeFigureOut">
               <a:rPr lang="en-US" smtClean="0"/>
               <a:pPr/>
-              <a:t>12/11/2019</a:t>
+              <a:t>12/20/2019</a:t>
             </a:fld>
             <a:endParaRPr lang="en-US" dirty="0"/>
           </a:p>
@@ -1917,7 +1917,7 @@
             <a:fld id="{B61BEF0D-F0BB-DE4B-95CE-6DB70DBA9567}" type="datetimeFigureOut">
               <a:rPr lang="en-US" smtClean="0"/>
               <a:pPr/>
-              <a:t>12/11/2019</a:t>
+              <a:t>12/20/2019</a:t>
             </a:fld>
             <a:endParaRPr lang="en-US" dirty="0"/>
           </a:p>
@@ -2150,7 +2150,7 @@
           <a:p>
             <a:fld id="{EB712588-04B1-427B-82EE-E8DB90309F08}" type="datetimeFigureOut">
               <a:rPr lang="en-US" smtClean="0"/>
-              <a:t>12/11/2019</a:t>
+              <a:t>12/20/2019</a:t>
             </a:fld>
             <a:endParaRPr lang="en-US" dirty="0"/>
           </a:p>
@@ -2525,7 +2525,7 @@
             <a:fld id="{B61BEF0D-F0BB-DE4B-95CE-6DB70DBA9567}" type="datetimeFigureOut">
               <a:rPr lang="en-US" smtClean="0"/>
               <a:pPr/>
-              <a:t>12/11/2019</a:t>
+              <a:t>12/20/2019</a:t>
             </a:fld>
             <a:endParaRPr lang="en-US" dirty="0"/>
           </a:p>
@@ -2650,7 +2650,7 @@
             <a:fld id="{B61BEF0D-F0BB-DE4B-95CE-6DB70DBA9567}" type="datetimeFigureOut">
               <a:rPr lang="en-US" smtClean="0"/>
               <a:pPr/>
-              <a:t>12/11/2019</a:t>
+              <a:t>12/20/2019</a:t>
             </a:fld>
             <a:endParaRPr lang="en-US" dirty="0"/>
           </a:p>
@@ -2747,7 +2747,7 @@
             <a:fld id="{B61BEF0D-F0BB-DE4B-95CE-6DB70DBA9567}" type="datetimeFigureOut">
               <a:rPr lang="en-US" smtClean="0"/>
               <a:pPr/>
-              <a:t>12/11/2019</a:t>
+              <a:t>12/20/2019</a:t>
             </a:fld>
             <a:endParaRPr lang="en-US" dirty="0"/>
           </a:p>
@@ -3003,7 +3003,7 @@
           <a:p>
             <a:fld id="{42A54C80-263E-416B-A8E0-580EDEADCBDC}" type="datetimeFigureOut">
               <a:rPr lang="en-US" smtClean="0"/>
-              <a:t>12/11/2019</a:t>
+              <a:t>12/20/2019</a:t>
             </a:fld>
             <a:endParaRPr lang="en-US" dirty="0"/>
           </a:p>
@@ -3190,7 +3190,7 @@
             <a:fld id="{B61BEF0D-F0BB-DE4B-95CE-6DB70DBA9567}" type="datetimeFigureOut">
               <a:rPr lang="en-US" smtClean="0"/>
               <a:pPr/>
-              <a:t>12/11/2019</a:t>
+              <a:t>12/20/2019</a:t>
             </a:fld>
             <a:endParaRPr lang="en-US" dirty="0"/>
           </a:p>
@@ -3510,7 +3510,7 @@
             <a:fld id="{B61BEF0D-F0BB-DE4B-95CE-6DB70DBA9567}" type="datetimeFigureOut">
               <a:rPr lang="en-US" smtClean="0"/>
               <a:pPr/>
-              <a:t>12/11/2019</a:t>
+              <a:t>12/20/2019</a:t>
             </a:fld>
             <a:endParaRPr lang="en-US" dirty="0"/>
           </a:p>
@@ -3720,7 +3720,7 @@
             <a:fld id="{B61BEF0D-F0BB-DE4B-95CE-6DB70DBA9567}" type="datetimeFigureOut">
               <a:rPr lang="en-US" smtClean="0"/>
               <a:pPr/>
-              <a:t>12/11/2019</a:t>
+              <a:t>12/20/2019</a:t>
             </a:fld>
             <a:endParaRPr lang="en-US" dirty="0"/>
           </a:p>
@@ -4036,7 +4036,7 @@
             <a:fld id="{B61BEF0D-F0BB-DE4B-95CE-6DB70DBA9567}" type="datetimeFigureOut">
               <a:rPr lang="en-US" smtClean="0"/>
               <a:pPr/>
-              <a:t>12/11/2019</a:t>
+              <a:t>12/20/2019</a:t>
             </a:fld>
             <a:endParaRPr lang="en-US" dirty="0"/>
           </a:p>
@@ -4371,7 +4371,7 @@
             <a:fld id="{B61BEF0D-F0BB-DE4B-95CE-6DB70DBA9567}" type="datetimeFigureOut">
               <a:rPr lang="en-US" smtClean="0"/>
               <a:pPr/>
-              <a:t>12/11/2019</a:t>
+              <a:t>12/20/2019</a:t>
             </a:fld>
             <a:endParaRPr lang="en-US" dirty="0"/>
           </a:p>
@@ -4687,7 +4687,7 @@
             <a:fld id="{B61BEF0D-F0BB-DE4B-95CE-6DB70DBA9567}" type="datetimeFigureOut">
               <a:rPr lang="en-US" smtClean="0"/>
               <a:pPr/>
-              <a:t>12/11/2019</a:t>
+              <a:t>12/20/2019</a:t>
             </a:fld>
             <a:endParaRPr lang="en-US" dirty="0"/>
           </a:p>
@@ -5082,7 +5082,7 @@
             <a:fld id="{B61BEF0D-F0BB-DE4B-95CE-6DB70DBA9567}" type="datetimeFigureOut">
               <a:rPr lang="en-US" smtClean="0"/>
               <a:pPr/>
-              <a:t>12/11/2019</a:t>
+              <a:t>12/20/2019</a:t>
             </a:fld>
             <a:endParaRPr lang="en-US" dirty="0"/>
           </a:p>
@@ -5253,7 +5253,7 @@
           <a:p>
             <a:fld id="{55C6B4A9-1611-4792-9094-5F34BCA07E0B}" type="datetimeFigureOut">
               <a:rPr lang="en-US" smtClean="0"/>
-              <a:t>12/11/2019</a:t>
+              <a:t>12/20/2019</a:t>
             </a:fld>
             <a:endParaRPr lang="en-US" dirty="0"/>
           </a:p>
@@ -5434,7 +5434,7 @@
             <a:fld id="{B61BEF0D-F0BB-DE4B-95CE-6DB70DBA9567}" type="datetimeFigureOut">
               <a:rPr lang="en-US" smtClean="0"/>
               <a:pPr/>
-              <a:t>12/11/2019</a:t>
+              <a:t>12/20/2019</a:t>
             </a:fld>
             <a:endParaRPr lang="en-US" dirty="0"/>
           </a:p>
@@ -5699,7 +5699,7 @@
             <a:fld id="{B61BEF0D-F0BB-DE4B-95CE-6DB70DBA9567}" type="datetimeFigureOut">
               <a:rPr lang="en-US" smtClean="0"/>
               <a:pPr/>
-              <a:t>12/11/2019</a:t>
+              <a:t>12/20/2019</a:t>
             </a:fld>
             <a:endParaRPr lang="en-US" dirty="0"/>
           </a:p>
@@ -5965,7 +5965,7 @@
           <a:p>
             <a:fld id="{EB712588-04B1-427B-82EE-E8DB90309F08}" type="datetimeFigureOut">
               <a:rPr lang="en-US" smtClean="0"/>
-              <a:t>12/11/2019</a:t>
+              <a:t>12/20/2019</a:t>
             </a:fld>
             <a:endParaRPr lang="en-US" dirty="0"/>
           </a:p>
@@ -6378,7 +6378,7 @@
             <a:fld id="{B61BEF0D-F0BB-DE4B-95CE-6DB70DBA9567}" type="datetimeFigureOut">
               <a:rPr lang="en-US" smtClean="0"/>
               <a:pPr/>
-              <a:t>12/11/2019</a:t>
+              <a:t>12/20/2019</a:t>
             </a:fld>
             <a:endParaRPr lang="en-US" dirty="0"/>
           </a:p>
@@ -6521,7 +6521,7 @@
             <a:fld id="{B61BEF0D-F0BB-DE4B-95CE-6DB70DBA9567}" type="datetimeFigureOut">
               <a:rPr lang="en-US" smtClean="0"/>
               <a:pPr/>
-              <a:t>12/11/2019</a:t>
+              <a:t>12/20/2019</a:t>
             </a:fld>
             <a:endParaRPr lang="en-US" dirty="0"/>
           </a:p>
@@ -6636,7 +6636,7 @@
             <a:fld id="{B61BEF0D-F0BB-DE4B-95CE-6DB70DBA9567}" type="datetimeFigureOut">
               <a:rPr lang="en-US" smtClean="0"/>
               <a:pPr/>
-              <a:t>12/11/2019</a:t>
+              <a:t>12/20/2019</a:t>
             </a:fld>
             <a:endParaRPr lang="en-US" dirty="0"/>
           </a:p>
@@ -6948,7 +6948,7 @@
           <a:p>
             <a:fld id="{42A54C80-263E-416B-A8E0-580EDEADCBDC}" type="datetimeFigureOut">
               <a:rPr lang="en-US" smtClean="0"/>
-              <a:t>12/11/2019</a:t>
+              <a:t>12/20/2019</a:t>
             </a:fld>
             <a:endParaRPr lang="en-US" dirty="0"/>
           </a:p>
@@ -7237,7 +7237,7 @@
             <a:fld id="{B61BEF0D-F0BB-DE4B-95CE-6DB70DBA9567}" type="datetimeFigureOut">
               <a:rPr lang="en-US" smtClean="0"/>
               <a:pPr/>
-              <a:t>12/11/2019</a:t>
+              <a:t>12/20/2019</a:t>
             </a:fld>
             <a:endParaRPr lang="en-US" dirty="0"/>
           </a:p>
@@ -7480,7 +7480,7 @@
             <a:fld id="{B61BEF0D-F0BB-DE4B-95CE-6DB70DBA9567}" type="datetimeFigureOut">
               <a:rPr lang="en-US" smtClean="0"/>
               <a:pPr/>
-              <a:t>12/11/2019</a:t>
+              <a:t>12/20/2019</a:t>
             </a:fld>
             <a:endParaRPr lang="en-US" dirty="0"/>
           </a:p>
@@ -8565,7 +8565,7 @@
             <a:fld id="{B61BEF0D-F0BB-DE4B-95CE-6DB70DBA9567}" type="datetimeFigureOut">
               <a:rPr lang="en-US" smtClean="0"/>
               <a:pPr/>
-              <a:t>12/11/2019</a:t>
+              <a:t>12/20/2019</a:t>
             </a:fld>
             <a:endParaRPr lang="en-US" dirty="0"/>
           </a:p>
@@ -9925,10 +9925,10 @@
                     </m:r>
                     <m:d>
                       <m:dPr>
-                        <m:begChr m:val="{"/>
-                        <m:endChr m:val="}"/>
+                        <m:begChr m:val="["/>
+                        <m:endChr m:val="]"/>
                         <m:ctrlPr>
-                          <a:rPr lang="es-ES" sz="1800" b="0" i="1">
+                          <a:rPr lang="es-ES" sz="1800" b="0" i="1" smtClean="0">
                             <a:solidFill>
                               <a:schemeClr val="bg1"/>
                             </a:solidFill>
@@ -10024,7 +10024,23 @@
                       <a:schemeClr val="bg1"/>
                     </a:solidFill>
                   </a:rPr>
-                  <a:t> una variable aleatoria en el espacio univariante.</a:t>
+                  <a:t> una variable aleatoria en el espacio </a:t>
+                </a:r>
+                <a:r>
+                  <a:rPr lang="es-ES" sz="1800" dirty="0">
+                    <a:solidFill>
+                      <a:srgbClr val="92D050"/>
+                    </a:solidFill>
+                  </a:rPr>
+                  <a:t>univariante</a:t>
+                </a:r>
+                <a:r>
+                  <a:rPr lang="es-ES" sz="1800" dirty="0">
+                    <a:solidFill>
+                      <a:schemeClr val="bg1"/>
+                    </a:solidFill>
+                  </a:rPr>
+                  <a:t>.</a:t>
                 </a:r>
               </a:p>
               <a:p>
@@ -10048,13 +10064,6 @@
                 <a:pPr marL="0" indent="0">
                   <a:buNone/>
                 </a:pPr>
-                <a:endParaRPr lang="es-ES" sz="1800" dirty="0">
-                  <a:solidFill>
-                    <a:schemeClr val="bg1"/>
-                  </a:solidFill>
-                </a:endParaRPr>
-              </a:p>
-              <a:p>
                 <a:endParaRPr lang="es-ES" sz="1800" dirty="0">
                   <a:solidFill>
                     <a:schemeClr val="bg1"/>
@@ -10952,7 +10961,7 @@
                       <m:t>𝐱</m:t>
                     </m:r>
                     <m:r>
-                      <a:rPr lang="es-ES" sz="1800" b="0" i="1">
+                      <a:rPr lang="es-ES" i="1">
                         <a:solidFill>
                           <a:schemeClr val="bg1"/>
                         </a:solidFill>
@@ -10962,10 +10971,10 @@
                     </m:r>
                     <m:d>
                       <m:dPr>
-                        <m:begChr m:val="{"/>
-                        <m:endChr m:val="}"/>
+                        <m:begChr m:val="["/>
+                        <m:endChr m:val="]"/>
                         <m:ctrlPr>
-                          <a:rPr lang="es-ES" sz="1800" b="0" i="1">
+                          <a:rPr lang="es-ES" i="1">
                             <a:solidFill>
                               <a:schemeClr val="bg1"/>
                             </a:solidFill>
@@ -10977,7 +10986,7 @@
                         <m:sSub>
                           <m:sSubPr>
                             <m:ctrlPr>
-                              <a:rPr lang="es-ES" sz="1800" b="0" i="1">
+                              <a:rPr lang="es-ES" i="1">
                                 <a:solidFill>
                                   <a:schemeClr val="bg1"/>
                                 </a:solidFill>
@@ -10987,7 +10996,7 @@
                           </m:sSubPr>
                           <m:e>
                             <m:r>
-                              <a:rPr lang="es-ES" sz="1800" b="0" i="1">
+                              <a:rPr lang="es-ES" i="1">
                                 <a:solidFill>
                                   <a:schemeClr val="bg1"/>
                                 </a:solidFill>
@@ -10998,7 +11007,7 @@
                           </m:e>
                           <m:sub>
                             <m:r>
-                              <a:rPr lang="es-ES" sz="1800" b="0" i="1">
+                              <a:rPr lang="es-ES" i="1">
                                 <a:solidFill>
                                   <a:schemeClr val="bg1"/>
                                 </a:solidFill>
@@ -11009,7 +11018,7 @@
                           </m:sub>
                         </m:sSub>
                         <m:r>
-                          <a:rPr lang="es-ES" sz="1800" b="0" i="1">
+                          <a:rPr lang="es-ES" i="1">
                             <a:solidFill>
                               <a:schemeClr val="bg1"/>
                             </a:solidFill>
@@ -11020,7 +11029,7 @@
                         <m:sSub>
                           <m:sSubPr>
                             <m:ctrlPr>
-                              <a:rPr lang="es-ES" sz="1800" b="0" i="1">
+                              <a:rPr lang="es-ES" i="1">
                                 <a:solidFill>
                                   <a:schemeClr val="bg1"/>
                                 </a:solidFill>
@@ -11030,7 +11039,7 @@
                           </m:sSubPr>
                           <m:e>
                             <m:r>
-                              <a:rPr lang="es-ES" sz="1800" b="0" i="1">
+                              <a:rPr lang="es-ES" i="1">
                                 <a:solidFill>
                                   <a:schemeClr val="bg1"/>
                                 </a:solidFill>
@@ -11041,7 +11050,7 @@
                           </m:e>
                           <m:sub>
                             <m:r>
-                              <a:rPr lang="es-ES" sz="1800" b="0" i="1">
+                              <a:rPr lang="es-ES" i="1">
                                 <a:solidFill>
                                   <a:schemeClr val="bg1"/>
                                 </a:solidFill>
@@ -11061,7 +11070,23 @@
                       <a:schemeClr val="bg1"/>
                     </a:solidFill>
                   </a:rPr>
-                  <a:t> una variable aleatoria en el espacio univariante.</a:t>
+                  <a:t> una variable aleatoria en el espacio </a:t>
+                </a:r>
+                <a:r>
+                  <a:rPr lang="es-ES" sz="1800" dirty="0">
+                    <a:solidFill>
+                      <a:srgbClr val="92D050"/>
+                    </a:solidFill>
+                  </a:rPr>
+                  <a:t>univariante</a:t>
+                </a:r>
+                <a:r>
+                  <a:rPr lang="es-ES" sz="1800" dirty="0">
+                    <a:solidFill>
+                      <a:schemeClr val="bg1"/>
+                    </a:solidFill>
+                  </a:rPr>
+                  <a:t>.</a:t>
                 </a:r>
               </a:p>
               <a:p>
@@ -12801,7 +12826,7 @@
                 <a:solidFill>
                   <a:schemeClr val="bg1"/>
                 </a:solidFill>
-                <a:latin typeface="Calibri" panose="020F0502020204030204" pitchFamily="34" charset="0"/>
+                <a:latin typeface="+mj-lt"/>
                 <a:cs typeface="Calibri" panose="020F0502020204030204" pitchFamily="34" charset="0"/>
               </a:rPr>
               <a:t>La </a:t>
@@ -12811,7 +12836,7 @@
                 <a:solidFill>
                   <a:srgbClr val="FFC000"/>
                 </a:solidFill>
-                <a:latin typeface="Calibri" panose="020F0502020204030204" pitchFamily="34" charset="0"/>
+                <a:latin typeface="+mj-lt"/>
                 <a:cs typeface="Calibri" panose="020F0502020204030204" pitchFamily="34" charset="0"/>
               </a:rPr>
               <a:t>distribución</a:t>
@@ -12821,7 +12846,7 @@
                 <a:solidFill>
                   <a:schemeClr val="bg1"/>
                 </a:solidFill>
-                <a:latin typeface="Calibri" panose="020F0502020204030204" pitchFamily="34" charset="0"/>
+                <a:latin typeface="+mj-lt"/>
                 <a:cs typeface="Calibri" panose="020F0502020204030204" pitchFamily="34" charset="0"/>
               </a:rPr>
               <a:t> de las variables es relativamente distinta por subgrupo.</a:t>
@@ -12832,7 +12857,7 @@
               <a:solidFill>
                 <a:schemeClr val="bg1"/>
               </a:solidFill>
-              <a:latin typeface="Calibri" panose="020F0502020204030204" pitchFamily="34" charset="0"/>
+              <a:latin typeface="+mj-lt"/>
               <a:cs typeface="Calibri" panose="020F0502020204030204" pitchFamily="34" charset="0"/>
             </a:endParaRPr>
           </a:p>
@@ -12842,7 +12867,7 @@
                 <a:solidFill>
                   <a:schemeClr val="bg1"/>
                 </a:solidFill>
-                <a:latin typeface="Calibri" panose="020F0502020204030204" pitchFamily="34" charset="0"/>
+                <a:latin typeface="+mj-lt"/>
                 <a:cs typeface="Calibri" panose="020F0502020204030204" pitchFamily="34" charset="0"/>
               </a:rPr>
               <a:t>Hay diferencias entre los grupos por </a:t>
@@ -12852,7 +12877,7 @@
                 <a:solidFill>
                   <a:srgbClr val="92D050"/>
                 </a:solidFill>
-                <a:latin typeface="Calibri" panose="020F0502020204030204" pitchFamily="34" charset="0"/>
+                <a:latin typeface="+mj-lt"/>
                 <a:cs typeface="Calibri" panose="020F0502020204030204" pitchFamily="34" charset="0"/>
               </a:rPr>
               <a:t>localización</a:t>
@@ -12862,7 +12887,7 @@
                 <a:solidFill>
                   <a:schemeClr val="bg1"/>
                 </a:solidFill>
-                <a:latin typeface="Calibri" panose="020F0502020204030204" pitchFamily="34" charset="0"/>
+                <a:latin typeface="+mj-lt"/>
                 <a:cs typeface="Calibri" panose="020F0502020204030204" pitchFamily="34" charset="0"/>
               </a:rPr>
               <a:t> y </a:t>
@@ -12872,7 +12897,7 @@
                 <a:solidFill>
                   <a:schemeClr val="accent1"/>
                 </a:solidFill>
-                <a:latin typeface="Calibri" panose="020F0502020204030204" pitchFamily="34" charset="0"/>
+                <a:latin typeface="+mj-lt"/>
                 <a:cs typeface="Calibri" panose="020F0502020204030204" pitchFamily="34" charset="0"/>
               </a:rPr>
               <a:t>dispersión</a:t>
@@ -12882,7 +12907,7 @@
                 <a:solidFill>
                   <a:schemeClr val="bg1"/>
                 </a:solidFill>
-                <a:latin typeface="Calibri" panose="020F0502020204030204" pitchFamily="34" charset="0"/>
+                <a:latin typeface="+mj-lt"/>
                 <a:cs typeface="Calibri" panose="020F0502020204030204" pitchFamily="34" charset="0"/>
               </a:rPr>
               <a:t>. </a:t>
